--- a/Trabalho_2_Circuitos_Digitais/TRABALHO - Copia.pptx
+++ b/Trabalho_2_Circuitos_Digitais/TRABALHO - Copia.pptx
@@ -24,10 +24,14 @@
     <p:sldId id="272" r:id="rId18"/>
     <p:sldId id="273" r:id="rId19"/>
     <p:sldId id="274" r:id="rId20"/>
-    <p:sldId id="275" r:id="rId21"/>
-    <p:sldId id="276" r:id="rId22"/>
-    <p:sldId id="277" r:id="rId23"/>
-    <p:sldId id="278" r:id="rId24"/>
+    <p:sldId id="280" r:id="rId21"/>
+    <p:sldId id="275" r:id="rId22"/>
+    <p:sldId id="276" r:id="rId23"/>
+    <p:sldId id="277" r:id="rId24"/>
+    <p:sldId id="278" r:id="rId25"/>
+    <p:sldId id="279" r:id="rId26"/>
+    <p:sldId id="281" r:id="rId27"/>
+    <p:sldId id="282" r:id="rId28"/>
   </p:sldIdLst>
   <p:sldSz cx="12192000" cy="6858000"/>
   <p:notesSz cx="6858000" cy="9144000"/>
@@ -50800,10 +50804,10 @@
       </p:sp>
       <p:pic>
         <p:nvPicPr>
-          <p:cNvPr id="5" name="Imagem 4">
+          <p:cNvPr id="4" name="Imagem 3">
             <a:extLst>
               <a:ext uri="{FF2B5EF4-FFF2-40B4-BE49-F238E27FC236}">
-                <a16:creationId xmlns:a16="http://schemas.microsoft.com/office/drawing/2014/main" id="{9738D286-78CC-ABF0-BB3A-4920BAA6A6BE}"/>
+                <a16:creationId xmlns:a16="http://schemas.microsoft.com/office/drawing/2014/main" id="{0A263A01-59E1-4D79-3527-26555299AC3B}"/>
               </a:ext>
             </a:extLst>
           </p:cNvPr>
@@ -50813,21 +50817,15 @@
           <p:nvPr/>
         </p:nvPicPr>
         <p:blipFill>
-          <a:blip r:embed="rId2">
-            <a:extLst>
-              <a:ext uri="{28A0092B-C50C-407E-A947-70E740481C1C}">
-                <a14:useLocalDpi xmlns:a14="http://schemas.microsoft.com/office/drawing/2010/main" val="0"/>
-              </a:ext>
-            </a:extLst>
-          </a:blip>
+          <a:blip r:embed="rId2"/>
           <a:stretch>
             <a:fillRect/>
           </a:stretch>
         </p:blipFill>
         <p:spPr>
           <a:xfrm>
-            <a:off x="7966710" y="1555504"/>
-            <a:ext cx="3463289" cy="3736585"/>
+            <a:off x="7006130" y="1307200"/>
+            <a:ext cx="4743910" cy="4345199"/>
           </a:xfrm>
           <a:prstGeom prst="rect">
             <a:avLst/>
@@ -51219,7 +51217,7 @@
           <p:cNvPr id="2" name="Título 1">
             <a:extLst>
               <a:ext uri="{FF2B5EF4-FFF2-40B4-BE49-F238E27FC236}">
-                <a16:creationId xmlns:a16="http://schemas.microsoft.com/office/drawing/2014/main" id="{42729924-9F5A-E804-4411-870B3388E4D9}"/>
+                <a16:creationId xmlns:a16="http://schemas.microsoft.com/office/drawing/2014/main" id="{C0E2AD2D-276E-5111-7AC1-A5145BB7AA99}"/>
               </a:ext>
             </a:extLst>
           </p:cNvPr>
@@ -51237,7 +51235,7 @@
           <a:p>
             <a:r>
               <a:rPr lang="pt-BR" dirty="0"/>
-              <a:t>BOTÕES</a:t>
+              <a:t>MULTIPLEXADOR</a:t>
             </a:r>
           </a:p>
         </p:txBody>
@@ -51247,7 +51245,7 @@
           <p:cNvPr id="3" name="Espaço Reservado para Texto 2">
             <a:extLst>
               <a:ext uri="{FF2B5EF4-FFF2-40B4-BE49-F238E27FC236}">
-                <a16:creationId xmlns:a16="http://schemas.microsoft.com/office/drawing/2014/main" id="{89558251-0C7F-FB9F-B5AC-379B7625C8CD}"/>
+                <a16:creationId xmlns:a16="http://schemas.microsoft.com/office/drawing/2014/main" id="{8D592EFE-5F23-B489-06B4-279A6BF46842}"/>
               </a:ext>
             </a:extLst>
           </p:cNvPr>
@@ -51265,7 +51263,7 @@
           <a:p>
             <a:r>
               <a:rPr lang="pt-BR" dirty="0"/>
-              <a:t>Tendo em vista que queremos um botão para alternar entre os displays das horas (H), dos minutos (M) e dos segundos (S), vamos criar o botão SELECT.</a:t>
+              <a:t>Com o circuito dos multiplexadores já pronto, já podemos utilizá-lo nos displays.</a:t>
             </a:r>
           </a:p>
         </p:txBody>
@@ -51275,7 +51273,7 @@
           <p:cNvPr id="4" name="Imagem 3">
             <a:extLst>
               <a:ext uri="{FF2B5EF4-FFF2-40B4-BE49-F238E27FC236}">
-                <a16:creationId xmlns:a16="http://schemas.microsoft.com/office/drawing/2014/main" id="{E1F43A83-B9D1-F729-CA99-8C32E0F34FB4}"/>
+                <a16:creationId xmlns:a16="http://schemas.microsoft.com/office/drawing/2014/main" id="{75490B33-FC20-B8BB-17C6-3CBA1E36D0CA}"/>
               </a:ext>
             </a:extLst>
           </p:cNvPr>
@@ -51292,8 +51290,38 @@
         </p:blipFill>
         <p:spPr>
           <a:xfrm>
-            <a:off x="6632699" y="1494542"/>
-            <a:ext cx="5284625" cy="4060437"/>
+            <a:off x="7402161" y="982980"/>
+            <a:ext cx="4542857" cy="1609934"/>
+          </a:xfrm>
+          <a:prstGeom prst="rect">
+            <a:avLst/>
+          </a:prstGeom>
+        </p:spPr>
+      </p:pic>
+      <p:pic>
+        <p:nvPicPr>
+          <p:cNvPr id="5" name="Imagem 4">
+            <a:extLst>
+              <a:ext uri="{FF2B5EF4-FFF2-40B4-BE49-F238E27FC236}">
+                <a16:creationId xmlns:a16="http://schemas.microsoft.com/office/drawing/2014/main" id="{A1D6AB18-4563-17DC-9347-9D16597EC953}"/>
+              </a:ext>
+            </a:extLst>
+          </p:cNvPr>
+          <p:cNvPicPr>
+            <a:picLocks noChangeAspect="1"/>
+          </p:cNvPicPr>
+          <p:nvPr/>
+        </p:nvPicPr>
+        <p:blipFill>
+          <a:blip r:embed="rId3"/>
+          <a:stretch>
+            <a:fillRect/>
+          </a:stretch>
+        </p:blipFill>
+        <p:spPr>
+          <a:xfrm>
+            <a:off x="7087875" y="3052400"/>
+            <a:ext cx="4857143" cy="2600000"/>
           </a:xfrm>
           <a:prstGeom prst="rect">
             <a:avLst/>
@@ -51303,7 +51331,7 @@
     </p:spTree>
     <p:extLst>
       <p:ext uri="{BB962C8B-B14F-4D97-AF65-F5344CB8AC3E}">
-        <p14:creationId xmlns:p14="http://schemas.microsoft.com/office/powerpoint/2010/main" val="63710624"/>
+        <p14:creationId xmlns:p14="http://schemas.microsoft.com/office/powerpoint/2010/main" val="257211027"/>
       </p:ext>
     </p:extLst>
   </p:cSld>
@@ -51469,6 +51497,122 @@
           <p:cNvPr id="2" name="Título 1">
             <a:extLst>
               <a:ext uri="{FF2B5EF4-FFF2-40B4-BE49-F238E27FC236}">
+                <a16:creationId xmlns:a16="http://schemas.microsoft.com/office/drawing/2014/main" id="{42729924-9F5A-E804-4411-870B3388E4D9}"/>
+              </a:ext>
+            </a:extLst>
+          </p:cNvPr>
+          <p:cNvSpPr>
+            <a:spLocks noGrp="1"/>
+          </p:cNvSpPr>
+          <p:nvPr>
+            <p:ph type="title"/>
+          </p:nvPr>
+        </p:nvSpPr>
+        <p:spPr/>
+        <p:txBody>
+          <a:bodyPr/>
+          <a:lstStyle/>
+          <a:p>
+            <a:r>
+              <a:rPr lang="pt-BR" dirty="0"/>
+              <a:t>BOTÕES</a:t>
+            </a:r>
+          </a:p>
+        </p:txBody>
+      </p:sp>
+      <p:sp>
+        <p:nvSpPr>
+          <p:cNvPr id="3" name="Espaço Reservado para Texto 2">
+            <a:extLst>
+              <a:ext uri="{FF2B5EF4-FFF2-40B4-BE49-F238E27FC236}">
+                <a16:creationId xmlns:a16="http://schemas.microsoft.com/office/drawing/2014/main" id="{89558251-0C7F-FB9F-B5AC-379B7625C8CD}"/>
+              </a:ext>
+            </a:extLst>
+          </p:cNvPr>
+          <p:cNvSpPr>
+            <a:spLocks noGrp="1"/>
+          </p:cNvSpPr>
+          <p:nvPr>
+            <p:ph type="body" idx="1"/>
+          </p:nvPr>
+        </p:nvSpPr>
+        <p:spPr/>
+        <p:txBody>
+          <a:bodyPr/>
+          <a:lstStyle/>
+          <a:p>
+            <a:r>
+              <a:rPr lang="pt-BR" dirty="0"/>
+              <a:t>Tendo em vista que queremos um botão para alternar entre os displays das horas (H), dos minutos (M) e dos segundos (S), vamos criar o botão SELECT.</a:t>
+            </a:r>
+          </a:p>
+        </p:txBody>
+      </p:sp>
+      <p:pic>
+        <p:nvPicPr>
+          <p:cNvPr id="4" name="Imagem 3">
+            <a:extLst>
+              <a:ext uri="{FF2B5EF4-FFF2-40B4-BE49-F238E27FC236}">
+                <a16:creationId xmlns:a16="http://schemas.microsoft.com/office/drawing/2014/main" id="{E1F43A83-B9D1-F729-CA99-8C32E0F34FB4}"/>
+              </a:ext>
+            </a:extLst>
+          </p:cNvPr>
+          <p:cNvPicPr>
+            <a:picLocks noChangeAspect="1"/>
+          </p:cNvPicPr>
+          <p:nvPr/>
+        </p:nvPicPr>
+        <p:blipFill>
+          <a:blip r:embed="rId2"/>
+          <a:stretch>
+            <a:fillRect/>
+          </a:stretch>
+        </p:blipFill>
+        <p:spPr>
+          <a:xfrm>
+            <a:off x="6632699" y="1494542"/>
+            <a:ext cx="5284625" cy="4060437"/>
+          </a:xfrm>
+          <a:prstGeom prst="rect">
+            <a:avLst/>
+          </a:prstGeom>
+        </p:spPr>
+      </p:pic>
+    </p:spTree>
+    <p:extLst>
+      <p:ext uri="{BB962C8B-B14F-4D97-AF65-F5344CB8AC3E}">
+        <p14:creationId xmlns:p14="http://schemas.microsoft.com/office/powerpoint/2010/main" val="63710624"/>
+      </p:ext>
+    </p:extLst>
+  </p:cSld>
+  <p:clrMapOvr>
+    <a:masterClrMapping/>
+  </p:clrMapOvr>
+</p:sld>
+</file>
+
+<file path=ppt/slides/slide21.xml><?xml version="1.0" encoding="utf-8"?>
+<p:sld xmlns:a="http://schemas.openxmlformats.org/drawingml/2006/main" xmlns:r="http://schemas.openxmlformats.org/officeDocument/2006/relationships" xmlns:p="http://schemas.openxmlformats.org/presentationml/2006/main">
+  <p:cSld>
+    <p:spTree>
+      <p:nvGrpSpPr>
+        <p:cNvPr id="1" name=""/>
+        <p:cNvGrpSpPr/>
+        <p:nvPr/>
+      </p:nvGrpSpPr>
+      <p:grpSpPr>
+        <a:xfrm>
+          <a:off x="0" y="0"/>
+          <a:ext cx="0" cy="0"/>
+          <a:chOff x="0" y="0"/>
+          <a:chExt cx="0" cy="0"/>
+        </a:xfrm>
+      </p:grpSpPr>
+      <p:sp>
+        <p:nvSpPr>
+          <p:cNvPr id="2" name="Título 1">
+            <a:extLst>
+              <a:ext uri="{FF2B5EF4-FFF2-40B4-BE49-F238E27FC236}">
                 <a16:creationId xmlns:a16="http://schemas.microsoft.com/office/drawing/2014/main" id="{0FC4D953-F762-1ED2-0274-87A17CEC2D27}"/>
               </a:ext>
             </a:extLst>
@@ -51535,7 +51679,7 @@
 </p:sld>
 </file>
 
-<file path=ppt/slides/slide21.xml><?xml version="1.0" encoding="utf-8"?>
+<file path=ppt/slides/slide22.xml><?xml version="1.0" encoding="utf-8"?>
 <p:sld xmlns:a="http://schemas.openxmlformats.org/drawingml/2006/main" xmlns:r="http://schemas.openxmlformats.org/officeDocument/2006/relationships" xmlns:p="http://schemas.openxmlformats.org/presentationml/2006/main">
   <p:cSld>
     <p:spTree>
@@ -51673,7 +51817,7 @@
 </p:sld>
 </file>
 
-<file path=ppt/slides/slide22.xml><?xml version="1.0" encoding="utf-8"?>
+<file path=ppt/slides/slide23.xml><?xml version="1.0" encoding="utf-8"?>
 <p:sld xmlns:a="http://schemas.openxmlformats.org/drawingml/2006/main" xmlns:r="http://schemas.openxmlformats.org/officeDocument/2006/relationships" xmlns:p="http://schemas.openxmlformats.org/presentationml/2006/main">
   <p:cSld>
     <p:spTree>
@@ -51782,6 +51926,326 @@
     <p:extLst>
       <p:ext uri="{BB962C8B-B14F-4D97-AF65-F5344CB8AC3E}">
         <p14:creationId xmlns:p14="http://schemas.microsoft.com/office/powerpoint/2010/main" val="3750234252"/>
+      </p:ext>
+    </p:extLst>
+  </p:cSld>
+  <p:clrMapOvr>
+    <a:masterClrMapping/>
+  </p:clrMapOvr>
+</p:sld>
+</file>
+
+<file path=ppt/slides/slide24.xml><?xml version="1.0" encoding="utf-8"?>
+<p:sld xmlns:a="http://schemas.openxmlformats.org/drawingml/2006/main" xmlns:r="http://schemas.openxmlformats.org/officeDocument/2006/relationships" xmlns:p="http://schemas.openxmlformats.org/presentationml/2006/main">
+  <p:cSld>
+    <p:spTree>
+      <p:nvGrpSpPr>
+        <p:cNvPr id="1" name=""/>
+        <p:cNvGrpSpPr/>
+        <p:nvPr/>
+      </p:nvGrpSpPr>
+      <p:grpSpPr>
+        <a:xfrm>
+          <a:off x="0" y="0"/>
+          <a:ext cx="0" cy="0"/>
+          <a:chOff x="0" y="0"/>
+          <a:chExt cx="0" cy="0"/>
+        </a:xfrm>
+      </p:grpSpPr>
+      <p:sp>
+        <p:nvSpPr>
+          <p:cNvPr id="2" name="Título 1">
+            <a:extLst>
+              <a:ext uri="{FF2B5EF4-FFF2-40B4-BE49-F238E27FC236}">
+                <a16:creationId xmlns:a16="http://schemas.microsoft.com/office/drawing/2014/main" id="{FEA020C0-96B2-076B-1CE6-73FC7B411437}"/>
+              </a:ext>
+            </a:extLst>
+          </p:cNvPr>
+          <p:cNvSpPr>
+            <a:spLocks noGrp="1"/>
+          </p:cNvSpPr>
+          <p:nvPr>
+            <p:ph type="title"/>
+          </p:nvPr>
+        </p:nvSpPr>
+        <p:spPr/>
+        <p:txBody>
+          <a:bodyPr/>
+          <a:lstStyle/>
+          <a:p>
+            <a:r>
+              <a:rPr lang="pt-BR" dirty="0"/>
+              <a:t>MODE</a:t>
+            </a:r>
+          </a:p>
+        </p:txBody>
+      </p:sp>
+      <p:sp>
+        <p:nvSpPr>
+          <p:cNvPr id="3" name="Espaço Reservado para Texto 2">
+            <a:extLst>
+              <a:ext uri="{FF2B5EF4-FFF2-40B4-BE49-F238E27FC236}">
+                <a16:creationId xmlns:a16="http://schemas.microsoft.com/office/drawing/2014/main" id="{9B6FA8BE-8CE6-8FF3-3E51-EB44AD38F547}"/>
+              </a:ext>
+            </a:extLst>
+          </p:cNvPr>
+          <p:cNvSpPr>
+            <a:spLocks noGrp="1"/>
+          </p:cNvSpPr>
+          <p:nvPr>
+            <p:ph type="body" idx="1"/>
+          </p:nvPr>
+        </p:nvSpPr>
+        <p:spPr/>
+        <p:txBody>
+          <a:bodyPr/>
+          <a:lstStyle/>
+          <a:p>
+            <a:r>
+              <a:rPr lang="pt-BR" dirty="0"/>
+              <a:t>Adicionando ao circuito para podermos acender o N, A ou C.</a:t>
+            </a:r>
+          </a:p>
+        </p:txBody>
+      </p:sp>
+      <p:pic>
+        <p:nvPicPr>
+          <p:cNvPr id="4" name="Imagem 3">
+            <a:extLst>
+              <a:ext uri="{FF2B5EF4-FFF2-40B4-BE49-F238E27FC236}">
+                <a16:creationId xmlns:a16="http://schemas.microsoft.com/office/drawing/2014/main" id="{55B10D27-B262-2994-1E39-2CE7CADC7D9C}"/>
+              </a:ext>
+            </a:extLst>
+          </p:cNvPr>
+          <p:cNvPicPr>
+            <a:picLocks noChangeAspect="1"/>
+          </p:cNvPicPr>
+          <p:nvPr/>
+        </p:nvPicPr>
+        <p:blipFill>
+          <a:blip r:embed="rId2"/>
+          <a:stretch>
+            <a:fillRect/>
+          </a:stretch>
+        </p:blipFill>
+        <p:spPr>
+          <a:xfrm>
+            <a:off x="7475220" y="1554480"/>
+            <a:ext cx="3863340" cy="4097920"/>
+          </a:xfrm>
+          <a:prstGeom prst="rect">
+            <a:avLst/>
+          </a:prstGeom>
+        </p:spPr>
+      </p:pic>
+    </p:spTree>
+    <p:extLst>
+      <p:ext uri="{BB962C8B-B14F-4D97-AF65-F5344CB8AC3E}">
+        <p14:creationId xmlns:p14="http://schemas.microsoft.com/office/powerpoint/2010/main" val="3735172230"/>
+      </p:ext>
+    </p:extLst>
+  </p:cSld>
+  <p:clrMapOvr>
+    <a:masterClrMapping/>
+  </p:clrMapOvr>
+</p:sld>
+</file>
+
+<file path=ppt/slides/slide25.xml><?xml version="1.0" encoding="utf-8"?>
+<p:sld xmlns:a="http://schemas.openxmlformats.org/drawingml/2006/main" xmlns:r="http://schemas.openxmlformats.org/officeDocument/2006/relationships" xmlns:p="http://schemas.openxmlformats.org/presentationml/2006/main">
+  <p:cSld>
+    <p:spTree>
+      <p:nvGrpSpPr>
+        <p:cNvPr id="1" name=""/>
+        <p:cNvGrpSpPr/>
+        <p:nvPr/>
+      </p:nvGrpSpPr>
+      <p:grpSpPr>
+        <a:xfrm>
+          <a:off x="0" y="0"/>
+          <a:ext cx="0" cy="0"/>
+          <a:chOff x="0" y="0"/>
+          <a:chExt cx="0" cy="0"/>
+        </a:xfrm>
+      </p:grpSpPr>
+      <p:sp>
+        <p:nvSpPr>
+          <p:cNvPr id="2" name="Título 1">
+            <a:extLst>
+              <a:ext uri="{FF2B5EF4-FFF2-40B4-BE49-F238E27FC236}">
+                <a16:creationId xmlns:a16="http://schemas.microsoft.com/office/drawing/2014/main" id="{D05786D4-49C4-0A26-F862-30C01F99C5BD}"/>
+              </a:ext>
+            </a:extLst>
+          </p:cNvPr>
+          <p:cNvSpPr>
+            <a:spLocks noGrp="1"/>
+          </p:cNvSpPr>
+          <p:nvPr>
+            <p:ph type="title"/>
+          </p:nvPr>
+        </p:nvSpPr>
+        <p:spPr/>
+        <p:txBody>
+          <a:bodyPr/>
+          <a:lstStyle/>
+          <a:p>
+            <a:r>
+              <a:rPr lang="pt-BR" dirty="0"/>
+              <a:t>CIRCUITO COMPLETO</a:t>
+            </a:r>
+          </a:p>
+        </p:txBody>
+      </p:sp>
+      <p:sp>
+        <p:nvSpPr>
+          <p:cNvPr id="3" name="Espaço Reservado para Texto 2">
+            <a:extLst>
+              <a:ext uri="{FF2B5EF4-FFF2-40B4-BE49-F238E27FC236}">
+                <a16:creationId xmlns:a16="http://schemas.microsoft.com/office/drawing/2014/main" id="{A4CE7C0F-209E-A8FE-06C7-3719CEB69E22}"/>
+              </a:ext>
+            </a:extLst>
+          </p:cNvPr>
+          <p:cNvSpPr>
+            <a:spLocks noGrp="1"/>
+          </p:cNvSpPr>
+          <p:nvPr>
+            <p:ph type="body" idx="1"/>
+          </p:nvPr>
+        </p:nvSpPr>
+        <p:spPr/>
+        <p:txBody>
+          <a:bodyPr/>
+          <a:lstStyle/>
+          <a:p>
+            <a:r>
+              <a:rPr lang="pt-BR" dirty="0"/>
+              <a:t>Enfim, ao finalizar todos os circuitos menores e separá-los em arquivos, podemos criar um arquivo principal.</a:t>
+            </a:r>
+          </a:p>
+        </p:txBody>
+      </p:sp>
+      <p:pic>
+        <p:nvPicPr>
+          <p:cNvPr id="4" name="Imagem 3">
+            <a:extLst>
+              <a:ext uri="{FF2B5EF4-FFF2-40B4-BE49-F238E27FC236}">
+                <a16:creationId xmlns:a16="http://schemas.microsoft.com/office/drawing/2014/main" id="{976123EA-6CDF-4E36-1293-5CD9E8DCC946}"/>
+              </a:ext>
+            </a:extLst>
+          </p:cNvPr>
+          <p:cNvPicPr>
+            <a:picLocks noChangeAspect="1"/>
+          </p:cNvPicPr>
+          <p:nvPr/>
+        </p:nvPicPr>
+        <p:blipFill>
+          <a:blip r:embed="rId2"/>
+          <a:stretch>
+            <a:fillRect/>
+          </a:stretch>
+        </p:blipFill>
+        <p:spPr>
+          <a:xfrm>
+            <a:off x="6632700" y="1611630"/>
+            <a:ext cx="5200000" cy="3851910"/>
+          </a:xfrm>
+          <a:prstGeom prst="rect">
+            <a:avLst/>
+          </a:prstGeom>
+        </p:spPr>
+      </p:pic>
+    </p:spTree>
+    <p:extLst>
+      <p:ext uri="{BB962C8B-B14F-4D97-AF65-F5344CB8AC3E}">
+        <p14:creationId xmlns:p14="http://schemas.microsoft.com/office/powerpoint/2010/main" val="1876401375"/>
+      </p:ext>
+    </p:extLst>
+  </p:cSld>
+  <p:clrMapOvr>
+    <a:masterClrMapping/>
+  </p:clrMapOvr>
+</p:sld>
+</file>
+
+<file path=ppt/slides/slide26.xml><?xml version="1.0" encoding="utf-8"?>
+<p:sld xmlns:a="http://schemas.openxmlformats.org/drawingml/2006/main" xmlns:r="http://schemas.openxmlformats.org/officeDocument/2006/relationships" xmlns:p="http://schemas.openxmlformats.org/presentationml/2006/main">
+  <p:cSld>
+    <p:spTree>
+      <p:nvGrpSpPr>
+        <p:cNvPr id="1" name=""/>
+        <p:cNvGrpSpPr/>
+        <p:nvPr/>
+      </p:nvGrpSpPr>
+      <p:grpSpPr>
+        <a:xfrm>
+          <a:off x="0" y="0"/>
+          <a:ext cx="0" cy="0"/>
+          <a:chOff x="0" y="0"/>
+          <a:chExt cx="0" cy="0"/>
+        </a:xfrm>
+      </p:grpSpPr>
+      <p:sp>
+        <p:nvSpPr>
+          <p:cNvPr id="2" name="Título 1">
+            <a:extLst>
+              <a:ext uri="{FF2B5EF4-FFF2-40B4-BE49-F238E27FC236}">
+                <a16:creationId xmlns:a16="http://schemas.microsoft.com/office/drawing/2014/main" id="{0845C4A8-99CE-9690-B99E-3F2B05CE67E2}"/>
+              </a:ext>
+            </a:extLst>
+          </p:cNvPr>
+          <p:cNvSpPr>
+            <a:spLocks noGrp="1"/>
+          </p:cNvSpPr>
+          <p:nvPr>
+            <p:ph type="title"/>
+          </p:nvPr>
+        </p:nvSpPr>
+        <p:spPr/>
+        <p:txBody>
+          <a:bodyPr/>
+          <a:lstStyle/>
+          <a:p>
+            <a:r>
+              <a:rPr lang="pt-BR" dirty="0"/>
+              <a:t>CIRCUITO COMPLETO</a:t>
+            </a:r>
+          </a:p>
+        </p:txBody>
+      </p:sp>
+      <p:pic>
+        <p:nvPicPr>
+          <p:cNvPr id="3" name="Imagem 2">
+            <a:extLst>
+              <a:ext uri="{FF2B5EF4-FFF2-40B4-BE49-F238E27FC236}">
+                <a16:creationId xmlns:a16="http://schemas.microsoft.com/office/drawing/2014/main" id="{89583B39-AF83-BBD6-1F67-3E48BA718F9C}"/>
+              </a:ext>
+            </a:extLst>
+          </p:cNvPr>
+          <p:cNvPicPr>
+            <a:picLocks noChangeAspect="1"/>
+          </p:cNvPicPr>
+          <p:nvPr/>
+        </p:nvPicPr>
+        <p:blipFill>
+          <a:blip r:embed="rId2"/>
+          <a:stretch>
+            <a:fillRect/>
+          </a:stretch>
+        </p:blipFill>
+        <p:spPr>
+          <a:xfrm>
+            <a:off x="1360170" y="1645920"/>
+            <a:ext cx="9841230" cy="4194810"/>
+          </a:xfrm>
+          <a:prstGeom prst="rect">
+            <a:avLst/>
+          </a:prstGeom>
+        </p:spPr>
+      </p:pic>
+    </p:spTree>
+    <p:extLst>
+      <p:ext uri="{BB962C8B-B14F-4D97-AF65-F5344CB8AC3E}">
+        <p14:creationId xmlns:p14="http://schemas.microsoft.com/office/powerpoint/2010/main" val="806710568"/>
       </p:ext>
     </p:extLst>
   </p:cSld>
